--- a/src/main/java/ee/bcs/java/lectures/Loeng5 - package, klass, objekt.pptx
+++ b/src/main/java/ee/bcs/java/lectures/Loeng5 - package, klass, objekt.pptx
@@ -343,7 +343,7 @@
             <a:fld id="{9B034333-4FC0-4832-B48E-1BB4D6BFA92F}" type="datetimeFigureOut">
               <a:rPr lang="et-EE" smtClean="0"/>
               <a:pPr/>
-              <a:t>02.11.2020</a:t>
+              <a:t>30.01.2021</a:t>
             </a:fld>
             <a:endParaRPr lang="et-EE"/>
           </a:p>
@@ -562,7 +562,7 @@
             <a:fld id="{9B034333-4FC0-4832-B48E-1BB4D6BFA92F}" type="datetimeFigureOut">
               <a:rPr lang="et-EE" smtClean="0"/>
               <a:pPr/>
-              <a:t>02.11.2020</a:t>
+              <a:t>30.01.2021</a:t>
             </a:fld>
             <a:endParaRPr lang="et-EE"/>
           </a:p>
@@ -737,7 +737,7 @@
             <a:fld id="{9B034333-4FC0-4832-B48E-1BB4D6BFA92F}" type="datetimeFigureOut">
               <a:rPr lang="et-EE" smtClean="0"/>
               <a:pPr/>
-              <a:t>02.11.2020</a:t>
+              <a:t>30.01.2021</a:t>
             </a:fld>
             <a:endParaRPr lang="et-EE"/>
           </a:p>
@@ -980,7 +980,7 @@
             <a:fld id="{9B034333-4FC0-4832-B48E-1BB4D6BFA92F}" type="datetimeFigureOut">
               <a:rPr lang="et-EE" smtClean="0"/>
               <a:pPr/>
-              <a:t>02.11.2020</a:t>
+              <a:t>30.01.2021</a:t>
             </a:fld>
             <a:endParaRPr lang="et-EE"/>
           </a:p>
@@ -1277,7 +1277,7 @@
             <a:fld id="{9B034333-4FC0-4832-B48E-1BB4D6BFA92F}" type="datetimeFigureOut">
               <a:rPr lang="et-EE" smtClean="0"/>
               <a:pPr/>
-              <a:t>02.11.2020</a:t>
+              <a:t>30.01.2021</a:t>
             </a:fld>
             <a:endParaRPr lang="et-EE"/>
           </a:p>
@@ -1629,7 +1629,7 @@
             <a:fld id="{9B034333-4FC0-4832-B48E-1BB4D6BFA92F}" type="datetimeFigureOut">
               <a:rPr lang="et-EE" smtClean="0"/>
               <a:pPr/>
-              <a:t>02.11.2020</a:t>
+              <a:t>30.01.2021</a:t>
             </a:fld>
             <a:endParaRPr lang="et-EE"/>
           </a:p>
@@ -2129,7 +2129,7 @@
             <a:fld id="{9B034333-4FC0-4832-B48E-1BB4D6BFA92F}" type="datetimeFigureOut">
               <a:rPr lang="et-EE" smtClean="0"/>
               <a:pPr/>
-              <a:t>02.11.2020</a:t>
+              <a:t>30.01.2021</a:t>
             </a:fld>
             <a:endParaRPr lang="et-EE"/>
           </a:p>
@@ -2243,7 +2243,7 @@
             <a:fld id="{9B034333-4FC0-4832-B48E-1BB4D6BFA92F}" type="datetimeFigureOut">
               <a:rPr lang="et-EE" smtClean="0"/>
               <a:pPr/>
-              <a:t>02.11.2020</a:t>
+              <a:t>30.01.2021</a:t>
             </a:fld>
             <a:endParaRPr lang="et-EE"/>
           </a:p>
@@ -2335,7 +2335,7 @@
             <a:fld id="{9B034333-4FC0-4832-B48E-1BB4D6BFA92F}" type="datetimeFigureOut">
               <a:rPr lang="et-EE" smtClean="0"/>
               <a:pPr/>
-              <a:t>02.11.2020</a:t>
+              <a:t>30.01.2021</a:t>
             </a:fld>
             <a:endParaRPr lang="et-EE"/>
           </a:p>
@@ -2607,7 +2607,7 @@
             <a:fld id="{9B034333-4FC0-4832-B48E-1BB4D6BFA92F}" type="datetimeFigureOut">
               <a:rPr lang="et-EE" smtClean="0"/>
               <a:pPr/>
-              <a:t>02.11.2020</a:t>
+              <a:t>30.01.2021</a:t>
             </a:fld>
             <a:endParaRPr lang="et-EE"/>
           </a:p>
@@ -2859,7 +2859,7 @@
             <a:fld id="{9B034333-4FC0-4832-B48E-1BB4D6BFA92F}" type="datetimeFigureOut">
               <a:rPr lang="et-EE" smtClean="0"/>
               <a:pPr/>
-              <a:t>02.11.2020</a:t>
+              <a:t>30.01.2021</a:t>
             </a:fld>
             <a:endParaRPr lang="et-EE"/>
           </a:p>
@@ -3068,7 +3068,7 @@
             <a:fld id="{9B034333-4FC0-4832-B48E-1BB4D6BFA92F}" type="datetimeFigureOut">
               <a:rPr lang="et-EE" smtClean="0"/>
               <a:pPr/>
-              <a:t>02.11.2020</a:t>
+              <a:t>30.01.2021</a:t>
             </a:fld>
             <a:endParaRPr lang="et-EE"/>
           </a:p>
@@ -3460,20 +3460,8 @@
           <a:lstStyle/>
           <a:p>
             <a:r>
-              <a:rPr lang="en-US" b="1" dirty="0"/>
-              <a:t>Java </a:t>
-            </a:r>
-            <a:r>
-              <a:rPr lang="en-US" b="1" dirty="0" err="1"/>
-              <a:t>arendaja</a:t>
-            </a:r>
-            <a:r>
-              <a:rPr lang="en-US" b="1" dirty="0"/>
-              <a:t> </a:t>
-            </a:r>
-            <a:r>
-              <a:rPr lang="en-US" b="1" dirty="0" err="1"/>
-              <a:t>õhtuõpe</a:t>
+              <a:rPr lang="et-EE" b="1" dirty="0"/>
+              <a:t>Java arendaja õhtuõpe</a:t>
             </a:r>
             <a:endParaRPr lang="et-EE" dirty="0"/>
           </a:p>
@@ -3505,7 +3493,7 @@
             </a:r>
             <a:r>
               <a:rPr lang="et-EE" dirty="0"/>
-              <a:t>, Klass, Objekt, </a:t>
+              <a:t>, Klass, Objekt </a:t>
             </a:r>
           </a:p>
         </p:txBody>
@@ -5671,10 +5659,9 @@
               <a:t>HashMap</a:t>
             </a:r>
             <a:r>
-              <a:rPr lang="et-EE"/>
+              <a:rPr lang="et-EE" dirty="0"/>
               <a:t>&lt;&gt;();</a:t>
             </a:r>
-            <a:endParaRPr lang="et-EE" dirty="0"/>
           </a:p>
           <a:p>
             <a:r>
@@ -10748,7 +10735,15 @@
           <a:p>
             <a:r>
               <a:rPr lang="et-EE" dirty="0"/>
-              <a:t>Objekt on klass </a:t>
+              <a:t>Objekt on klass</a:t>
+            </a:r>
+            <a:r>
+              <a:rPr lang="en-US" dirty="0" err="1"/>
+              <a:t>i</a:t>
+            </a:r>
+            <a:r>
+              <a:rPr lang="et-EE" dirty="0"/>
+              <a:t> </a:t>
             </a:r>
             <a:r>
               <a:rPr lang="et-EE" b="1" dirty="0" err="1"/>
@@ -11072,22 +11067,22 @@
           </a:lstStyle>
           <a:p>
             <a:r>
-              <a:rPr lang="et-EE" dirty="0"/>
+              <a:rPr lang="et-EE" b="1" dirty="0"/>
               <a:t>Kõik klassid </a:t>
             </a:r>
             <a:r>
-              <a:rPr lang="et-EE" dirty="0" err="1"/>
+              <a:rPr lang="et-EE" b="1" dirty="0" err="1"/>
               <a:t>extendivad</a:t>
             </a:r>
             <a:r>
-              <a:rPr lang="et-EE" dirty="0"/>
+              <a:rPr lang="et-EE" b="1" dirty="0"/>
               <a:t> </a:t>
             </a:r>
             <a:r>
-              <a:rPr lang="et-EE" dirty="0" err="1"/>
+              <a:rPr lang="et-EE" b="1" dirty="0" err="1"/>
               <a:t>Java.lang.Object</a:t>
             </a:r>
-            <a:endParaRPr lang="et-EE" dirty="0"/>
+            <a:endParaRPr lang="et-EE" b="1" dirty="0"/>
           </a:p>
           <a:p>
             <a:r>
